--- a/PIC.pptx
+++ b/PIC.pptx
@@ -217,7 +217,7 @@
           <a:p>
             <a:fld id="{1A9B187B-6062-49D7-8912-8A91FAA13C2B}" type="datetimeFigureOut">
               <a:rPr lang="en-GB" smtClean="0"/>
-              <a:t>15/10/2023</a:t>
+              <a:t>16/10/2023</a:t>
             </a:fld>
             <a:endParaRPr lang="en-GB"/>
           </a:p>
@@ -1653,7 +1653,7 @@
               <a:pPr>
                 <a:defRPr/>
               </a:pPr>
-              <a:t>15/10/2023</a:t>
+              <a:t>16/10/2023</a:t>
             </a:fld>
             <a:endParaRPr lang="en-GB">
               <a:solidFill>
@@ -1880,7 +1880,7 @@
               <a:pPr>
                 <a:defRPr/>
               </a:pPr>
-              <a:t>15/10/2023</a:t>
+              <a:t>16/10/2023</a:t>
             </a:fld>
             <a:endParaRPr lang="en-GB">
               <a:solidFill>
@@ -2117,7 +2117,7 @@
               <a:pPr>
                 <a:defRPr/>
               </a:pPr>
-              <a:t>15/10/2023</a:t>
+              <a:t>16/10/2023</a:t>
             </a:fld>
             <a:endParaRPr lang="en-GB">
               <a:solidFill>
@@ -3527,7 +3527,7 @@
               <a:pPr>
                 <a:defRPr/>
               </a:pPr>
-              <a:t>15/10/2023</a:t>
+              <a:t>16/10/2023</a:t>
             </a:fld>
             <a:endParaRPr lang="en-GB">
               <a:solidFill>
@@ -3785,7 +3785,7 @@
               <a:pPr>
                 <a:defRPr/>
               </a:pPr>
-              <a:t>15/10/2023</a:t>
+              <a:t>16/10/2023</a:t>
             </a:fld>
             <a:endParaRPr lang="en-GB">
               <a:solidFill>
@@ -4130,7 +4130,7 @@
               <a:pPr>
                 <a:defRPr/>
               </a:pPr>
-              <a:t>15/10/2023</a:t>
+              <a:t>16/10/2023</a:t>
             </a:fld>
             <a:endParaRPr lang="en-GB">
               <a:solidFill>
@@ -4609,7 +4609,7 @@
               <a:pPr>
                 <a:defRPr/>
               </a:pPr>
-              <a:t>15/10/2023</a:t>
+              <a:t>16/10/2023</a:t>
             </a:fld>
             <a:endParaRPr lang="en-GB">
               <a:solidFill>
@@ -4784,7 +4784,7 @@
               <a:pPr>
                 <a:defRPr/>
               </a:pPr>
-              <a:t>15/10/2023</a:t>
+              <a:t>16/10/2023</a:t>
             </a:fld>
             <a:endParaRPr lang="en-GB">
               <a:solidFill>
@@ -4936,7 +4936,7 @@
               <a:pPr>
                 <a:defRPr/>
               </a:pPr>
-              <a:t>15/10/2023</a:t>
+              <a:t>16/10/2023</a:t>
             </a:fld>
             <a:endParaRPr lang="en-GB">
               <a:solidFill>
@@ -5270,7 +5270,7 @@
               <a:pPr>
                 <a:defRPr/>
               </a:pPr>
-              <a:t>15/10/2023</a:t>
+              <a:t>16/10/2023</a:t>
             </a:fld>
             <a:endParaRPr lang="en-GB">
               <a:solidFill>
@@ -5594,7 +5594,7 @@
               <a:pPr>
                 <a:defRPr/>
               </a:pPr>
-              <a:t>15/10/2023</a:t>
+              <a:t>16/10/2023</a:t>
             </a:fld>
             <a:endParaRPr lang="en-GB">
               <a:solidFill>
@@ -6282,8 +6282,9 @@
             <a:pPr eaLnBrk="1" hangingPunct="1"/>
             <a:r>
               <a:rPr lang="en-US" altLang="en-US" sz="3999" dirty="0" smtClean="0"/>
-              <a:t>Introduction</a:t>
-            </a:r>
+              <a:t>PIC Microcontroller</a:t>
+            </a:r>
+            <a:endParaRPr lang="en-US" altLang="en-US" sz="3999" dirty="0" smtClean="0"/>
           </a:p>
           <a:p>
             <a:pPr eaLnBrk="1" hangingPunct="1"/>
@@ -6292,8 +6293,16 @@
               <a:t>BY </a:t>
             </a:r>
             <a:r>
+              <a:rPr lang="en-US" altLang="en-US" sz="3999" dirty="0" err="1" smtClean="0"/>
+              <a:t>Omoruyi</a:t>
+            </a:r>
+            <a:r>
+              <a:rPr lang="en-US" altLang="en-US" sz="3999" dirty="0" smtClean="0"/>
+              <a:t> </a:t>
+            </a:r>
+            <a:r>
               <a:rPr lang="en-US" altLang="en-US" sz="3999" dirty="0"/>
-              <a:t>OMORUYI O</a:t>
+              <a:t>O</a:t>
             </a:r>
             <a:r>
               <a:rPr lang="en-US" altLang="en-US" sz="3999" dirty="0" smtClean="0"/>
@@ -6301,11 +6310,19 @@
             </a:r>
             <a:r>
               <a:rPr lang="en-US" altLang="en-US" sz="3999" dirty="0" err="1" smtClean="0"/>
-              <a:t>Olatimehin</a:t>
+              <a:t>Simonyan</a:t>
             </a:r>
             <a:r>
               <a:rPr lang="en-US" altLang="en-US" sz="3999" dirty="0" smtClean="0"/>
-              <a:t> O.</a:t>
+              <a:t> </a:t>
+            </a:r>
+            <a:r>
+              <a:rPr lang="en-US" altLang="en-US" sz="3999" dirty="0"/>
+              <a:t>E</a:t>
+            </a:r>
+            <a:r>
+              <a:rPr lang="en-US" altLang="en-US" sz="3999" dirty="0" smtClean="0"/>
+              <a:t>.</a:t>
             </a:r>
             <a:endParaRPr lang="en-US" altLang="en-US" sz="3999" dirty="0"/>
           </a:p>
@@ -6951,7 +6968,6 @@
               <a:rPr lang="en-US" dirty="0"/>
               <a:t> (reduced instruction set computer) processor.</a:t>
             </a:r>
-            <a:endParaRPr lang="en-US" dirty="0"/>
           </a:p>
         </p:txBody>
       </p:sp>
@@ -7087,7 +7103,6 @@
               <a:rPr lang="en-US" dirty="0"/>
               <a:t>Options</a:t>
             </a:r>
-            <a:endParaRPr lang="en-US" dirty="0"/>
           </a:p>
         </p:txBody>
       </p:sp>
@@ -7650,7 +7665,6 @@
               <a:rPr lang="en-US" dirty="0"/>
               <a:t> for debugging in both the simulation and in-circuit modes.</a:t>
             </a:r>
-            <a:endParaRPr lang="en-US" dirty="0"/>
           </a:p>
         </p:txBody>
       </p:sp>
@@ -7947,12 +7961,8 @@
           </a:p>
           <a:p>
             <a:r>
-              <a:rPr lang="en-GB" smtClean="0"/>
-              <a:t>Typical Configuration </a:t>
-            </a:r>
-            <a:r>
               <a:rPr lang="en-GB" dirty="0" smtClean="0"/>
-              <a:t>Bits</a:t>
+              <a:t>Typical Configuration Bits</a:t>
             </a:r>
           </a:p>
           <a:p>
@@ -8986,7 +8996,7 @@
             </a:r>
             <a:r>
               <a:rPr lang="en-US" dirty="0" smtClean="0"/>
-              <a:t>memory</a:t>
+              <a:t>memory(ROM)</a:t>
             </a:r>
             <a:endParaRPr lang="en-US" dirty="0"/>
           </a:p>
@@ -9005,8 +9015,8 @@
           <a:p>
             <a:pPr algn="just"/>
             <a:r>
-              <a:rPr lang="en-US" dirty="0" smtClean="0"/>
-              <a:t> Range </a:t>
+              <a:rPr lang="en-US" smtClean="0"/>
+              <a:t>Range </a:t>
             </a:r>
             <a:r>
               <a:rPr lang="en-US" dirty="0"/>
@@ -9028,8 +9038,12 @@
               <a:t>The </a:t>
             </a:r>
             <a:r>
+              <a:rPr lang="en-US" b="1" dirty="0"/>
+              <a:t>PIC16F877A</a:t>
+            </a:r>
+            <a:r>
               <a:rPr lang="en-US" dirty="0"/>
-              <a:t>PIC16F877A is useful as a reference device because it has a minimal </a:t>
+              <a:t> is useful as a reference device because it has a minimal </a:t>
             </a:r>
             <a:r>
               <a:rPr lang="en-US" dirty="0" smtClean="0"/>
@@ -9039,7 +9053,6 @@
               <a:rPr lang="en-US" dirty="0"/>
               <a:t>but a full range of peripheral features.</a:t>
             </a:r>
-            <a:endParaRPr lang="en-US" dirty="0"/>
           </a:p>
         </p:txBody>
       </p:sp>
